--- a/clases/Cap04_Clasificacion/presentations/PAT04_intro.pptx
+++ b/clases/Cap04_Clasificacion/presentations/PAT04_intro.pptx
@@ -4194,7 +4194,7 @@
                 </a:solidFill>
                 <a:latin typeface="Trebuchet MS" pitchFamily="34" charset="0"/>
               </a:rPr>
-              <a:t>Departmento de Ciencia de la Computación</a:t>
+              <a:t>Departamento de Ciencia de la Computación</a:t>
             </a:r>
           </a:p>
           <a:p>

--- a/clases/Cap04_Clasificacion/presentations/PAT04_intro.pptx
+++ b/clases/Cap04_Clasificacion/presentations/PAT04_intro.pptx
@@ -5,7 +5,7 @@
     <p:sldMasterId id="2147483648" r:id="rId1"/>
   </p:sldMasterIdLst>
   <p:notesMasterIdLst>
-    <p:notesMasterId r:id="rId28"/>
+    <p:notesMasterId r:id="rId30"/>
   </p:notesMasterIdLst>
   <p:sldIdLst>
     <p:sldId id="301" r:id="rId2"/>
@@ -33,7 +33,9 @@
     <p:sldId id="325" r:id="rId24"/>
     <p:sldId id="327" r:id="rId25"/>
     <p:sldId id="330" r:id="rId26"/>
-    <p:sldId id="331" r:id="rId27"/>
+    <p:sldId id="333" r:id="rId27"/>
+    <p:sldId id="334" r:id="rId28"/>
+    <p:sldId id="331" r:id="rId29"/>
   </p:sldIdLst>
   <p:sldSz cx="9144000" cy="6858000" type="screen4x3"/>
   <p:notesSz cx="6858000" cy="9144000"/>
@@ -33594,6 +33596,1824 @@
 </file>
 
 <file path=ppt/slides/slide26.xml><?xml version="1.0" encoding="utf-8"?>
+<p:sld xmlns:a="http://schemas.openxmlformats.org/drawingml/2006/main" xmlns:r="http://schemas.openxmlformats.org/officeDocument/2006/relationships" xmlns:p="http://schemas.openxmlformats.org/presentationml/2006/main">
+  <p:cSld>
+    <p:spTree>
+      <p:nvGrpSpPr>
+        <p:cNvPr id="1" name=""/>
+        <p:cNvGrpSpPr/>
+        <p:nvPr/>
+      </p:nvGrpSpPr>
+      <p:grpSpPr>
+        <a:xfrm>
+          <a:off x="0" y="0"/>
+          <a:ext cx="0" cy="0"/>
+          <a:chOff x="0" y="0"/>
+          <a:chExt cx="0" cy="0"/>
+        </a:xfrm>
+      </p:grpSpPr>
+      <p:sp>
+        <p:nvSpPr>
+          <p:cNvPr id="3" name="TextBox 2">
+            <a:extLst>
+              <a:ext uri="{FF2B5EF4-FFF2-40B4-BE49-F238E27FC236}">
+                <a16:creationId xmlns:a16="http://schemas.microsoft.com/office/drawing/2014/main" id="{A0B553AC-0B60-5941-B585-99DBF44D096B}"/>
+              </a:ext>
+            </a:extLst>
+          </p:cNvPr>
+          <p:cNvSpPr txBox="1"/>
+          <p:nvPr/>
+        </p:nvSpPr>
+        <p:spPr>
+          <a:xfrm>
+            <a:off x="909779" y="1219200"/>
+            <a:ext cx="1566454" cy="523220"/>
+          </a:xfrm>
+          <a:prstGeom prst="rect">
+            <a:avLst/>
+          </a:prstGeom>
+          <a:noFill/>
+        </p:spPr>
+        <p:txBody>
+          <a:bodyPr wrap="none" rtlCol="0">
+            <a:spAutoFit/>
+          </a:bodyPr>
+          <a:lstStyle/>
+          <a:p>
+            <a:r>
+              <a:rPr lang="en-US" sz="2800" dirty="0"/>
+              <a:t>Libraries</a:t>
+            </a:r>
+          </a:p>
+        </p:txBody>
+      </p:sp>
+      <p:sp>
+        <p:nvSpPr>
+          <p:cNvPr id="4" name="TextBox 3">
+            <a:extLst>
+              <a:ext uri="{FF2B5EF4-FFF2-40B4-BE49-F238E27FC236}">
+                <a16:creationId xmlns:a16="http://schemas.microsoft.com/office/drawing/2014/main" id="{D8E052B0-9489-2D45-854C-BF438AB2CFA8}"/>
+              </a:ext>
+            </a:extLst>
+          </p:cNvPr>
+          <p:cNvSpPr txBox="1"/>
+          <p:nvPr/>
+        </p:nvSpPr>
+        <p:spPr>
+          <a:xfrm>
+            <a:off x="901700" y="1993900"/>
+            <a:ext cx="6571158" cy="2031325"/>
+          </a:xfrm>
+          <a:prstGeom prst="rect">
+            <a:avLst/>
+          </a:prstGeom>
+          <a:noFill/>
+        </p:spPr>
+        <p:txBody>
+          <a:bodyPr wrap="none" rtlCol="0">
+            <a:spAutoFit/>
+          </a:bodyPr>
+          <a:lstStyle/>
+          <a:p>
+            <a:r>
+              <a:rPr lang="en-US" dirty="0"/>
+              <a:t>STEPS:</a:t>
+            </a:r>
+          </a:p>
+          <a:p>
+            <a:endParaRPr lang="en-US" dirty="0"/>
+          </a:p>
+          <a:p>
+            <a:r>
+              <a:rPr lang="en-US" dirty="0"/>
+              <a:t>0.	</a:t>
+            </a:r>
+            <a:r>
+              <a:rPr lang="en-US" dirty="0">
+                <a:solidFill>
+                  <a:srgbClr val="0096FF"/>
+                </a:solidFill>
+              </a:rPr>
+              <a:t>(</a:t>
+            </a:r>
+            <a:r>
+              <a:rPr lang="en-US" dirty="0" err="1">
+                <a:solidFill>
+                  <a:srgbClr val="0096FF"/>
+                </a:solidFill>
+              </a:rPr>
+              <a:t>X,d</a:t>
+            </a:r>
+            <a:r>
+              <a:rPr lang="en-US" dirty="0">
+                <a:solidFill>
+                  <a:srgbClr val="0096FF"/>
+                </a:solidFill>
+              </a:rPr>
+              <a:t>)</a:t>
+            </a:r>
+            <a:r>
+              <a:rPr lang="en-US" dirty="0"/>
+              <a:t> and </a:t>
+            </a:r>
+            <a:r>
+              <a:rPr lang="en-US" dirty="0">
+                <a:solidFill>
+                  <a:srgbClr val="FF9300"/>
+                </a:solidFill>
+              </a:rPr>
+              <a:t>(</a:t>
+            </a:r>
+            <a:r>
+              <a:rPr lang="en-US" dirty="0" err="1">
+                <a:solidFill>
+                  <a:srgbClr val="FF9300"/>
+                </a:solidFill>
+              </a:rPr>
+              <a:t>X</a:t>
+            </a:r>
+            <a:r>
+              <a:rPr lang="en-US" baseline="-25000" dirty="0" err="1">
+                <a:solidFill>
+                  <a:srgbClr val="FF9300"/>
+                </a:solidFill>
+              </a:rPr>
+              <a:t>t</a:t>
+            </a:r>
+            <a:r>
+              <a:rPr lang="en-US" dirty="0" err="1">
+                <a:solidFill>
+                  <a:srgbClr val="FF9300"/>
+                </a:solidFill>
+              </a:rPr>
+              <a:t>,d</a:t>
+            </a:r>
+            <a:r>
+              <a:rPr lang="en-US" baseline="-25000" dirty="0" err="1">
+                <a:solidFill>
+                  <a:srgbClr val="FF9300"/>
+                </a:solidFill>
+              </a:rPr>
+              <a:t>t</a:t>
+            </a:r>
+            <a:r>
+              <a:rPr lang="en-US" dirty="0">
+                <a:solidFill>
+                  <a:srgbClr val="FF9300"/>
+                </a:solidFill>
+              </a:rPr>
+              <a:t>)</a:t>
+            </a:r>
+            <a:r>
+              <a:rPr lang="en-US" dirty="0"/>
+              <a:t> 	   ← read training and testing data</a:t>
+            </a:r>
+          </a:p>
+          <a:p>
+            <a:r>
+              <a:rPr lang="en-US" dirty="0"/>
+              <a:t>1.	</a:t>
+            </a:r>
+            <a:r>
+              <a:rPr lang="en-US" i="1" dirty="0"/>
+              <a:t>Definition</a:t>
+            </a:r>
+            <a:r>
+              <a:rPr lang="en-US" dirty="0"/>
+              <a:t>  	   ← Classifier Definition</a:t>
+            </a:r>
+          </a:p>
+          <a:p>
+            <a:r>
+              <a:rPr lang="en-US" dirty="0"/>
+              <a:t>2.	</a:t>
+            </a:r>
+            <a:r>
+              <a:rPr lang="en-US" i="1" dirty="0" err="1"/>
+              <a:t>TrainedParameters</a:t>
+            </a:r>
+            <a:r>
+              <a:rPr lang="en-US" dirty="0"/>
+              <a:t> ← Training(</a:t>
+            </a:r>
+            <a:r>
+              <a:rPr lang="en-US" dirty="0" err="1">
+                <a:solidFill>
+                  <a:srgbClr val="0096FF"/>
+                </a:solidFill>
+              </a:rPr>
+              <a:t>X,d</a:t>
+            </a:r>
+            <a:r>
+              <a:rPr lang="en-US" dirty="0" err="1"/>
+              <a:t>,Definition</a:t>
+            </a:r>
+            <a:r>
+              <a:rPr lang="en-US" dirty="0"/>
+              <a:t>)</a:t>
+            </a:r>
+          </a:p>
+          <a:p>
+            <a:r>
+              <a:rPr lang="en-US" dirty="0"/>
+              <a:t>3.	</a:t>
+            </a:r>
+            <a:r>
+              <a:rPr lang="en-US" dirty="0">
+                <a:solidFill>
+                  <a:srgbClr val="00B050"/>
+                </a:solidFill>
+              </a:rPr>
+              <a:t>d</a:t>
+            </a:r>
+            <a:r>
+              <a:rPr lang="en-US" baseline="-25000" dirty="0">
+                <a:solidFill>
+                  <a:srgbClr val="00B050"/>
+                </a:solidFill>
+              </a:rPr>
+              <a:t>s</a:t>
+            </a:r>
+            <a:r>
+              <a:rPr lang="en-US" dirty="0"/>
+              <a:t>  		   ← Testing(</a:t>
+            </a:r>
+            <a:r>
+              <a:rPr lang="en-US" dirty="0" err="1">
+                <a:solidFill>
+                  <a:srgbClr val="FF9300"/>
+                </a:solidFill>
+              </a:rPr>
+              <a:t>X</a:t>
+            </a:r>
+            <a:r>
+              <a:rPr lang="en-US" baseline="-25000" dirty="0" err="1">
+                <a:solidFill>
+                  <a:srgbClr val="FF9300"/>
+                </a:solidFill>
+              </a:rPr>
+              <a:t>t</a:t>
+            </a:r>
+            <a:r>
+              <a:rPr lang="en-US" dirty="0" err="1"/>
+              <a:t>,</a:t>
+            </a:r>
+            <a:r>
+              <a:rPr lang="en-US" i="1" dirty="0" err="1"/>
+              <a:t>TrainedParameters</a:t>
+            </a:r>
+            <a:r>
+              <a:rPr lang="en-US" dirty="0"/>
+              <a:t>)</a:t>
+            </a:r>
+          </a:p>
+          <a:p>
+            <a:r>
+              <a:rPr lang="en-US" dirty="0"/>
+              <a:t>4.	Accuracy	   ← Accuracy(</a:t>
+            </a:r>
+            <a:r>
+              <a:rPr lang="en-US" dirty="0" err="1">
+                <a:solidFill>
+                  <a:srgbClr val="00B050"/>
+                </a:solidFill>
+              </a:rPr>
+              <a:t>d</a:t>
+            </a:r>
+            <a:r>
+              <a:rPr lang="en-US" baseline="-25000" dirty="0" err="1">
+                <a:solidFill>
+                  <a:srgbClr val="00B050"/>
+                </a:solidFill>
+              </a:rPr>
+              <a:t>s</a:t>
+            </a:r>
+            <a:r>
+              <a:rPr lang="en-US" dirty="0" err="1"/>
+              <a:t>,</a:t>
+            </a:r>
+            <a:r>
+              <a:rPr lang="en-US" dirty="0" err="1">
+                <a:solidFill>
+                  <a:srgbClr val="FF9300"/>
+                </a:solidFill>
+              </a:rPr>
+              <a:t>d</a:t>
+            </a:r>
+            <a:r>
+              <a:rPr lang="en-US" baseline="-25000" dirty="0" err="1">
+                <a:solidFill>
+                  <a:srgbClr val="FF9300"/>
+                </a:solidFill>
+              </a:rPr>
+              <a:t>t</a:t>
+            </a:r>
+            <a:r>
+              <a:rPr lang="en-US" dirty="0"/>
+              <a:t>)</a:t>
+            </a:r>
+          </a:p>
+        </p:txBody>
+      </p:sp>
+      <p:grpSp>
+        <p:nvGrpSpPr>
+          <p:cNvPr id="12" name="Group 11">
+            <a:extLst>
+              <a:ext uri="{FF2B5EF4-FFF2-40B4-BE49-F238E27FC236}">
+                <a16:creationId xmlns:a16="http://schemas.microsoft.com/office/drawing/2014/main" id="{FC97D9FC-B270-0749-829C-E72017D1A9B0}"/>
+              </a:ext>
+            </a:extLst>
+          </p:cNvPr>
+          <p:cNvGrpSpPr/>
+          <p:nvPr/>
+        </p:nvGrpSpPr>
+        <p:grpSpPr>
+          <a:xfrm>
+            <a:off x="2217683" y="950889"/>
+            <a:ext cx="3216166" cy="1666187"/>
+            <a:chOff x="2217683" y="950889"/>
+            <a:chExt cx="3216166" cy="1666187"/>
+          </a:xfrm>
+        </p:grpSpPr>
+        <p:sp>
+          <p:nvSpPr>
+            <p:cNvPr id="2" name="TextBox 1">
+              <a:extLst>
+                <a:ext uri="{FF2B5EF4-FFF2-40B4-BE49-F238E27FC236}">
+                  <a16:creationId xmlns:a16="http://schemas.microsoft.com/office/drawing/2014/main" id="{0CF5C2F0-9653-8547-BF72-E1A47D59A75E}"/>
+                </a:ext>
+              </a:extLst>
+            </p:cNvPr>
+            <p:cNvSpPr txBox="1"/>
+            <p:nvPr/>
+          </p:nvSpPr>
+          <p:spPr>
+            <a:xfrm>
+              <a:off x="3457026" y="950889"/>
+              <a:ext cx="1976823" cy="369332"/>
+            </a:xfrm>
+            <a:prstGeom prst="rect">
+              <a:avLst/>
+            </a:prstGeom>
+            <a:noFill/>
+          </p:spPr>
+          <p:txBody>
+            <a:bodyPr wrap="none" rtlCol="0">
+              <a:spAutoFit/>
+            </a:bodyPr>
+            <a:lstStyle/>
+            <a:p>
+              <a:r>
+                <a:rPr lang="en-US" dirty="0" err="1">
+                  <a:solidFill>
+                    <a:srgbClr val="0096FF"/>
+                  </a:solidFill>
+                  <a:latin typeface="Courier" pitchFamily="2" charset="0"/>
+                </a:rPr>
+                <a:t>Xtrain,ytrain</a:t>
+              </a:r>
+              <a:endParaRPr lang="en-US" dirty="0">
+                <a:solidFill>
+                  <a:srgbClr val="0096FF"/>
+                </a:solidFill>
+                <a:latin typeface="Courier" pitchFamily="2" charset="0"/>
+              </a:endParaRPr>
+            </a:p>
+          </p:txBody>
+        </p:sp>
+        <p:cxnSp>
+          <p:nvCxnSpPr>
+            <p:cNvPr id="6" name="Straight Arrow Connector 5">
+              <a:extLst>
+                <a:ext uri="{FF2B5EF4-FFF2-40B4-BE49-F238E27FC236}">
+                  <a16:creationId xmlns:a16="http://schemas.microsoft.com/office/drawing/2014/main" id="{1693B63B-68C0-C44E-BC0D-E6FA4C5B7B1D}"/>
+                </a:ext>
+              </a:extLst>
+            </p:cNvPr>
+            <p:cNvCxnSpPr/>
+            <p:nvPr/>
+          </p:nvCxnSpPr>
+          <p:spPr>
+            <a:xfrm flipV="1">
+              <a:off x="2217683" y="1313793"/>
+              <a:ext cx="1177158" cy="1303283"/>
+            </a:xfrm>
+            <a:prstGeom prst="straightConnector1">
+              <a:avLst/>
+            </a:prstGeom>
+            <a:ln>
+              <a:solidFill>
+                <a:schemeClr val="tx1">
+                  <a:lumMod val="50000"/>
+                  <a:lumOff val="50000"/>
+                </a:schemeClr>
+              </a:solidFill>
+              <a:tailEnd type="triangle"/>
+            </a:ln>
+          </p:spPr>
+          <p:style>
+            <a:lnRef idx="2">
+              <a:schemeClr val="dk1"/>
+            </a:lnRef>
+            <a:fillRef idx="0">
+              <a:schemeClr val="dk1"/>
+            </a:fillRef>
+            <a:effectRef idx="1">
+              <a:schemeClr val="dk1"/>
+            </a:effectRef>
+            <a:fontRef idx="minor">
+              <a:schemeClr val="tx1"/>
+            </a:fontRef>
+          </p:style>
+        </p:cxnSp>
+      </p:grpSp>
+      <p:grpSp>
+        <p:nvGrpSpPr>
+          <p:cNvPr id="17" name="Group 16">
+            <a:extLst>
+              <a:ext uri="{FF2B5EF4-FFF2-40B4-BE49-F238E27FC236}">
+                <a16:creationId xmlns:a16="http://schemas.microsoft.com/office/drawing/2014/main" id="{CF267D35-D745-A846-A2F4-94CDD050CFDA}"/>
+              </a:ext>
+            </a:extLst>
+          </p:cNvPr>
+          <p:cNvGrpSpPr/>
+          <p:nvPr/>
+        </p:nvGrpSpPr>
+        <p:grpSpPr>
+          <a:xfrm>
+            <a:off x="909779" y="3719116"/>
+            <a:ext cx="873957" cy="1192524"/>
+            <a:chOff x="909779" y="3719116"/>
+            <a:chExt cx="873957" cy="1192524"/>
+          </a:xfrm>
+        </p:grpSpPr>
+        <p:sp>
+          <p:nvSpPr>
+            <p:cNvPr id="9" name="TextBox 8">
+              <a:extLst>
+                <a:ext uri="{FF2B5EF4-FFF2-40B4-BE49-F238E27FC236}">
+                  <a16:creationId xmlns:a16="http://schemas.microsoft.com/office/drawing/2014/main" id="{9F5BB853-7DC7-C24D-8DD9-5EA4643416DC}"/>
+                </a:ext>
+              </a:extLst>
+            </p:cNvPr>
+            <p:cNvSpPr txBox="1"/>
+            <p:nvPr/>
+          </p:nvSpPr>
+          <p:spPr>
+            <a:xfrm>
+              <a:off x="909779" y="4542308"/>
+              <a:ext cx="873957" cy="369332"/>
+            </a:xfrm>
+            <a:prstGeom prst="rect">
+              <a:avLst/>
+            </a:prstGeom>
+            <a:noFill/>
+          </p:spPr>
+          <p:txBody>
+            <a:bodyPr wrap="none" rtlCol="0">
+              <a:spAutoFit/>
+            </a:bodyPr>
+            <a:lstStyle/>
+            <a:p>
+              <a:r>
+                <a:rPr lang="en-US" dirty="0" err="1">
+                  <a:solidFill>
+                    <a:srgbClr val="00B050"/>
+                  </a:solidFill>
+                  <a:latin typeface="Courier" pitchFamily="2" charset="0"/>
+                </a:rPr>
+                <a:t>ypred</a:t>
+              </a:r>
+              <a:endParaRPr lang="en-US" dirty="0">
+                <a:solidFill>
+                  <a:srgbClr val="00B050"/>
+                </a:solidFill>
+                <a:latin typeface="Courier" pitchFamily="2" charset="0"/>
+              </a:endParaRPr>
+            </a:p>
+          </p:txBody>
+        </p:sp>
+        <p:cxnSp>
+          <p:nvCxnSpPr>
+            <p:cNvPr id="13" name="Straight Arrow Connector 12">
+              <a:extLst>
+                <a:ext uri="{FF2B5EF4-FFF2-40B4-BE49-F238E27FC236}">
+                  <a16:creationId xmlns:a16="http://schemas.microsoft.com/office/drawing/2014/main" id="{00216A55-3F21-D74B-BD51-E30BE789537B}"/>
+                </a:ext>
+              </a:extLst>
+            </p:cNvPr>
+            <p:cNvCxnSpPr>
+              <a:cxnSpLocks/>
+            </p:cNvCxnSpPr>
+            <p:nvPr/>
+          </p:nvCxnSpPr>
+          <p:spPr>
+            <a:xfrm flipH="1">
+              <a:off x="1093076" y="3719116"/>
+              <a:ext cx="665388" cy="779312"/>
+            </a:xfrm>
+            <a:prstGeom prst="straightConnector1">
+              <a:avLst/>
+            </a:prstGeom>
+            <a:ln>
+              <a:solidFill>
+                <a:schemeClr val="tx1">
+                  <a:lumMod val="50000"/>
+                  <a:lumOff val="50000"/>
+                </a:schemeClr>
+              </a:solidFill>
+              <a:tailEnd type="triangle"/>
+            </a:ln>
+          </p:spPr>
+          <p:style>
+            <a:lnRef idx="2">
+              <a:schemeClr val="dk1"/>
+            </a:lnRef>
+            <a:fillRef idx="0">
+              <a:schemeClr val="dk1"/>
+            </a:fillRef>
+            <a:effectRef idx="1">
+              <a:schemeClr val="dk1"/>
+            </a:effectRef>
+            <a:fontRef idx="minor">
+              <a:schemeClr val="tx1"/>
+            </a:fontRef>
+          </p:style>
+        </p:cxnSp>
+      </p:grpSp>
+      <p:grpSp>
+        <p:nvGrpSpPr>
+          <p:cNvPr id="14" name="Group 13">
+            <a:extLst>
+              <a:ext uri="{FF2B5EF4-FFF2-40B4-BE49-F238E27FC236}">
+                <a16:creationId xmlns:a16="http://schemas.microsoft.com/office/drawing/2014/main" id="{B64D70B7-9A4C-E846-887A-633EDDCB7196}"/>
+              </a:ext>
+            </a:extLst>
+          </p:cNvPr>
+          <p:cNvGrpSpPr/>
+          <p:nvPr/>
+        </p:nvGrpSpPr>
+        <p:grpSpPr>
+          <a:xfrm>
+            <a:off x="3250933" y="1683494"/>
+            <a:ext cx="2242390" cy="862172"/>
+            <a:chOff x="3250933" y="1683494"/>
+            <a:chExt cx="2242390" cy="862172"/>
+          </a:xfrm>
+        </p:grpSpPr>
+        <p:cxnSp>
+          <p:nvCxnSpPr>
+            <p:cNvPr id="10" name="Straight Arrow Connector 9">
+              <a:extLst>
+                <a:ext uri="{FF2B5EF4-FFF2-40B4-BE49-F238E27FC236}">
+                  <a16:creationId xmlns:a16="http://schemas.microsoft.com/office/drawing/2014/main" id="{984CA81B-F7FA-DD47-B064-7BE439E65025}"/>
+                </a:ext>
+              </a:extLst>
+            </p:cNvPr>
+            <p:cNvCxnSpPr>
+              <a:cxnSpLocks/>
+            </p:cNvCxnSpPr>
+            <p:nvPr/>
+          </p:nvCxnSpPr>
+          <p:spPr>
+            <a:xfrm flipV="1">
+              <a:off x="3250933" y="1965434"/>
+              <a:ext cx="490750" cy="580232"/>
+            </a:xfrm>
+            <a:prstGeom prst="straightConnector1">
+              <a:avLst/>
+            </a:prstGeom>
+            <a:ln>
+              <a:solidFill>
+                <a:schemeClr val="tx1">
+                  <a:lumMod val="50000"/>
+                  <a:lumOff val="50000"/>
+                </a:schemeClr>
+              </a:solidFill>
+              <a:tailEnd type="triangle"/>
+            </a:ln>
+          </p:spPr>
+          <p:style>
+            <a:lnRef idx="2">
+              <a:schemeClr val="dk1"/>
+            </a:lnRef>
+            <a:fillRef idx="0">
+              <a:schemeClr val="dk1"/>
+            </a:fillRef>
+            <a:effectRef idx="1">
+              <a:schemeClr val="dk1"/>
+            </a:effectRef>
+            <a:fontRef idx="minor">
+              <a:schemeClr val="tx1"/>
+            </a:fontRef>
+          </p:style>
+        </p:cxnSp>
+        <p:sp>
+          <p:nvSpPr>
+            <p:cNvPr id="16" name="TextBox 15">
+              <a:extLst>
+                <a:ext uri="{FF2B5EF4-FFF2-40B4-BE49-F238E27FC236}">
+                  <a16:creationId xmlns:a16="http://schemas.microsoft.com/office/drawing/2014/main" id="{64963230-37AD-874A-9F05-F3D7598CCB8D}"/>
+                </a:ext>
+              </a:extLst>
+            </p:cNvPr>
+            <p:cNvSpPr txBox="1"/>
+            <p:nvPr/>
+          </p:nvSpPr>
+          <p:spPr>
+            <a:xfrm>
+              <a:off x="3792216" y="1683494"/>
+              <a:ext cx="1701107" cy="369332"/>
+            </a:xfrm>
+            <a:prstGeom prst="rect">
+              <a:avLst/>
+            </a:prstGeom>
+            <a:noFill/>
+          </p:spPr>
+          <p:txBody>
+            <a:bodyPr wrap="none" rtlCol="0">
+              <a:spAutoFit/>
+            </a:bodyPr>
+            <a:lstStyle/>
+            <a:p>
+              <a:r>
+                <a:rPr lang="en-US" dirty="0" err="1">
+                  <a:solidFill>
+                    <a:srgbClr val="FF9300"/>
+                  </a:solidFill>
+                  <a:latin typeface="Courier" pitchFamily="2" charset="0"/>
+                </a:rPr>
+                <a:t>Xtest,ytest</a:t>
+              </a:r>
+              <a:endParaRPr lang="en-US" dirty="0">
+                <a:solidFill>
+                  <a:srgbClr val="FF9300"/>
+                </a:solidFill>
+                <a:latin typeface="Courier" pitchFamily="2" charset="0"/>
+              </a:endParaRPr>
+            </a:p>
+          </p:txBody>
+        </p:sp>
+      </p:grpSp>
+      <p:sp>
+        <p:nvSpPr>
+          <p:cNvPr id="20" name="TextBox 19">
+            <a:extLst>
+              <a:ext uri="{FF2B5EF4-FFF2-40B4-BE49-F238E27FC236}">
+                <a16:creationId xmlns:a16="http://schemas.microsoft.com/office/drawing/2014/main" id="{A9BC3B90-AB58-5C48-A3BD-EB7F73F78E3B}"/>
+              </a:ext>
+            </a:extLst>
+          </p:cNvPr>
+          <p:cNvSpPr txBox="1"/>
+          <p:nvPr/>
+        </p:nvSpPr>
+        <p:spPr>
+          <a:xfrm>
+            <a:off x="2329473" y="4726974"/>
+            <a:ext cx="5243743" cy="1754326"/>
+          </a:xfrm>
+          <a:prstGeom prst="rect">
+            <a:avLst/>
+          </a:prstGeom>
+          <a:noFill/>
+        </p:spPr>
+        <p:txBody>
+          <a:bodyPr wrap="none" rtlCol="0">
+            <a:spAutoFit/>
+          </a:bodyPr>
+          <a:lstStyle/>
+          <a:p>
+            <a:r>
+              <a:rPr lang="en-US" b="1" dirty="0">
+                <a:latin typeface="+mj-lt"/>
+              </a:rPr>
+              <a:t>Example for SVM</a:t>
+            </a:r>
+          </a:p>
+          <a:p>
+            <a:endParaRPr lang="en-US" b="1" dirty="0">
+              <a:latin typeface="+mj-lt"/>
+            </a:endParaRPr>
+          </a:p>
+          <a:p>
+            <a:r>
+              <a:rPr lang="en-US" dirty="0">
+                <a:latin typeface="Courier" pitchFamily="2" charset="0"/>
+              </a:rPr>
+              <a:t>1. </a:t>
+            </a:r>
+            <a:r>
+              <a:rPr lang="en-US" dirty="0" err="1">
+                <a:latin typeface="Courier" pitchFamily="2" charset="0"/>
+              </a:rPr>
+              <a:t>clf</a:t>
+            </a:r>
+            <a:r>
+              <a:rPr lang="en-US" dirty="0">
+                <a:latin typeface="Courier" pitchFamily="2" charset="0"/>
+              </a:rPr>
+              <a:t> = SVC(</a:t>
+            </a:r>
+            <a:r>
+              <a:rPr lang="en-US" i="1" dirty="0">
+                <a:solidFill>
+                  <a:srgbClr val="FF40FF"/>
+                </a:solidFill>
+                <a:latin typeface="Courier" pitchFamily="2" charset="0"/>
+              </a:rPr>
+              <a:t>parameters here</a:t>
+            </a:r>
+            <a:r>
+              <a:rPr lang="en-US" dirty="0">
+                <a:latin typeface="Courier" pitchFamily="2" charset="0"/>
+              </a:rPr>
+              <a:t>)</a:t>
+            </a:r>
+          </a:p>
+          <a:p>
+            <a:r>
+              <a:rPr lang="en-US" dirty="0">
+                <a:latin typeface="Courier" pitchFamily="2" charset="0"/>
+              </a:rPr>
+              <a:t>2. </a:t>
+            </a:r>
+            <a:r>
+              <a:rPr lang="en-US" dirty="0" err="1">
+                <a:latin typeface="Courier" pitchFamily="2" charset="0"/>
+              </a:rPr>
+              <a:t>clf.fit</a:t>
+            </a:r>
+            <a:r>
+              <a:rPr lang="en-US" dirty="0">
+                <a:latin typeface="Courier" pitchFamily="2" charset="0"/>
+              </a:rPr>
+              <a:t>(</a:t>
+            </a:r>
+            <a:r>
+              <a:rPr lang="en-US" dirty="0" err="1">
+                <a:solidFill>
+                  <a:srgbClr val="0096FF"/>
+                </a:solidFill>
+                <a:latin typeface="Courier" pitchFamily="2" charset="0"/>
+              </a:rPr>
+              <a:t>Xtrain</a:t>
+            </a:r>
+            <a:r>
+              <a:rPr lang="en-US" dirty="0">
+                <a:solidFill>
+                  <a:srgbClr val="0096FF"/>
+                </a:solidFill>
+                <a:latin typeface="Courier" pitchFamily="2" charset="0"/>
+              </a:rPr>
+              <a:t>, </a:t>
+            </a:r>
+            <a:r>
+              <a:rPr lang="en-US" dirty="0" err="1">
+                <a:solidFill>
+                  <a:srgbClr val="0096FF"/>
+                </a:solidFill>
+                <a:latin typeface="Courier" pitchFamily="2" charset="0"/>
+              </a:rPr>
+              <a:t>ytrain</a:t>
+            </a:r>
+            <a:r>
+              <a:rPr lang="en-US" dirty="0">
+                <a:latin typeface="Courier" pitchFamily="2" charset="0"/>
+              </a:rPr>
+              <a:t>)</a:t>
+            </a:r>
+          </a:p>
+          <a:p>
+            <a:r>
+              <a:rPr lang="en-US" dirty="0">
+                <a:latin typeface="Courier" pitchFamily="2" charset="0"/>
+              </a:rPr>
+              <a:t>3. </a:t>
+            </a:r>
+            <a:r>
+              <a:rPr lang="en-US" dirty="0" err="1">
+                <a:solidFill>
+                  <a:srgbClr val="00B050"/>
+                </a:solidFill>
+                <a:latin typeface="Courier" pitchFamily="2" charset="0"/>
+              </a:rPr>
+              <a:t>ypred</a:t>
+            </a:r>
+            <a:r>
+              <a:rPr lang="en-US" dirty="0">
+                <a:latin typeface="Courier" pitchFamily="2" charset="0"/>
+              </a:rPr>
+              <a:t> = </a:t>
+            </a:r>
+            <a:r>
+              <a:rPr lang="en-US" dirty="0" err="1">
+                <a:latin typeface="Courier" pitchFamily="2" charset="0"/>
+              </a:rPr>
+              <a:t>clf.predict</a:t>
+            </a:r>
+            <a:r>
+              <a:rPr lang="en-US" dirty="0">
+                <a:latin typeface="Courier" pitchFamily="2" charset="0"/>
+              </a:rPr>
+              <a:t>(</a:t>
+            </a:r>
+            <a:r>
+              <a:rPr lang="en-US" dirty="0" err="1">
+                <a:solidFill>
+                  <a:srgbClr val="FF9300"/>
+                </a:solidFill>
+                <a:latin typeface="Courier" pitchFamily="2" charset="0"/>
+              </a:rPr>
+              <a:t>Xtest</a:t>
+            </a:r>
+            <a:r>
+              <a:rPr lang="en-US" dirty="0">
+                <a:latin typeface="Courier" pitchFamily="2" charset="0"/>
+              </a:rPr>
+              <a:t>)</a:t>
+            </a:r>
+          </a:p>
+          <a:p>
+            <a:r>
+              <a:rPr lang="en-US" dirty="0">
+                <a:latin typeface="Courier" pitchFamily="2" charset="0"/>
+              </a:rPr>
+              <a:t>4. acc	 = </a:t>
+            </a:r>
+            <a:r>
+              <a:rPr lang="en-US" dirty="0" err="1">
+                <a:latin typeface="Courier" pitchFamily="2" charset="0"/>
+              </a:rPr>
+              <a:t>accuracy_score</a:t>
+            </a:r>
+            <a:r>
+              <a:rPr lang="en-US" dirty="0">
+                <a:latin typeface="Courier" pitchFamily="2" charset="0"/>
+              </a:rPr>
+              <a:t>(</a:t>
+            </a:r>
+            <a:r>
+              <a:rPr lang="en-US" dirty="0" err="1">
+                <a:solidFill>
+                  <a:srgbClr val="00B050"/>
+                </a:solidFill>
+                <a:latin typeface="Courier" pitchFamily="2" charset="0"/>
+              </a:rPr>
+              <a:t>ypred</a:t>
+            </a:r>
+            <a:r>
+              <a:rPr lang="en-US" dirty="0" err="1">
+                <a:latin typeface="Courier" pitchFamily="2" charset="0"/>
+              </a:rPr>
+              <a:t>,</a:t>
+            </a:r>
+            <a:r>
+              <a:rPr lang="en-US" dirty="0" err="1">
+                <a:solidFill>
+                  <a:srgbClr val="FF9300"/>
+                </a:solidFill>
+                <a:latin typeface="Courier" pitchFamily="2" charset="0"/>
+              </a:rPr>
+              <a:t>ytest</a:t>
+            </a:r>
+            <a:r>
+              <a:rPr lang="en-US" dirty="0">
+                <a:latin typeface="Courier" pitchFamily="2" charset="0"/>
+              </a:rPr>
+              <a:t>)</a:t>
+            </a:r>
+          </a:p>
+        </p:txBody>
+      </p:sp>
+    </p:spTree>
+    <p:extLst>
+      <p:ext uri="{BB962C8B-B14F-4D97-AF65-F5344CB8AC3E}">
+        <p14:creationId xmlns:p14="http://schemas.microsoft.com/office/powerpoint/2010/main" val="1357564009"/>
+      </p:ext>
+    </p:extLst>
+  </p:cSld>
+  <p:clrMapOvr>
+    <a:masterClrMapping/>
+  </p:clrMapOvr>
+</p:sld>
+</file>
+
+<file path=ppt/slides/slide27.xml><?xml version="1.0" encoding="utf-8"?>
+<p:sld xmlns:a="http://schemas.openxmlformats.org/drawingml/2006/main" xmlns:r="http://schemas.openxmlformats.org/officeDocument/2006/relationships" xmlns:p="http://schemas.openxmlformats.org/presentationml/2006/main">
+  <p:cSld>
+    <p:spTree>
+      <p:nvGrpSpPr>
+        <p:cNvPr id="1" name=""/>
+        <p:cNvGrpSpPr/>
+        <p:nvPr/>
+      </p:nvGrpSpPr>
+      <p:grpSpPr>
+        <a:xfrm>
+          <a:off x="0" y="0"/>
+          <a:ext cx="0" cy="0"/>
+          <a:chOff x="0" y="0"/>
+          <a:chExt cx="0" cy="0"/>
+        </a:xfrm>
+      </p:grpSpPr>
+      <p:sp>
+        <p:nvSpPr>
+          <p:cNvPr id="3" name="TextBox 2">
+            <a:extLst>
+              <a:ext uri="{FF2B5EF4-FFF2-40B4-BE49-F238E27FC236}">
+                <a16:creationId xmlns:a16="http://schemas.microsoft.com/office/drawing/2014/main" id="{A0B553AC-0B60-5941-B585-99DBF44D096B}"/>
+              </a:ext>
+            </a:extLst>
+          </p:cNvPr>
+          <p:cNvSpPr txBox="1"/>
+          <p:nvPr/>
+        </p:nvSpPr>
+        <p:spPr>
+          <a:xfrm>
+            <a:off x="909779" y="1219200"/>
+            <a:ext cx="1566454" cy="523220"/>
+          </a:xfrm>
+          <a:prstGeom prst="rect">
+            <a:avLst/>
+          </a:prstGeom>
+          <a:noFill/>
+        </p:spPr>
+        <p:txBody>
+          <a:bodyPr wrap="none" rtlCol="0">
+            <a:spAutoFit/>
+          </a:bodyPr>
+          <a:lstStyle/>
+          <a:p>
+            <a:r>
+              <a:rPr lang="en-US" sz="2800" dirty="0"/>
+              <a:t>Libraries</a:t>
+            </a:r>
+          </a:p>
+        </p:txBody>
+      </p:sp>
+      <p:sp>
+        <p:nvSpPr>
+          <p:cNvPr id="4" name="TextBox 3">
+            <a:extLst>
+              <a:ext uri="{FF2B5EF4-FFF2-40B4-BE49-F238E27FC236}">
+                <a16:creationId xmlns:a16="http://schemas.microsoft.com/office/drawing/2014/main" id="{D8E052B0-9489-2D45-854C-BF438AB2CFA8}"/>
+              </a:ext>
+            </a:extLst>
+          </p:cNvPr>
+          <p:cNvSpPr txBox="1"/>
+          <p:nvPr/>
+        </p:nvSpPr>
+        <p:spPr>
+          <a:xfrm>
+            <a:off x="901700" y="1993900"/>
+            <a:ext cx="6571158" cy="2031325"/>
+          </a:xfrm>
+          <a:prstGeom prst="rect">
+            <a:avLst/>
+          </a:prstGeom>
+          <a:noFill/>
+        </p:spPr>
+        <p:txBody>
+          <a:bodyPr wrap="none" rtlCol="0">
+            <a:spAutoFit/>
+          </a:bodyPr>
+          <a:lstStyle/>
+          <a:p>
+            <a:r>
+              <a:rPr lang="en-US" dirty="0"/>
+              <a:t>STEPS:</a:t>
+            </a:r>
+          </a:p>
+          <a:p>
+            <a:endParaRPr lang="en-US" dirty="0"/>
+          </a:p>
+          <a:p>
+            <a:r>
+              <a:rPr lang="en-US" dirty="0"/>
+              <a:t>0.	</a:t>
+            </a:r>
+            <a:r>
+              <a:rPr lang="en-US" dirty="0">
+                <a:solidFill>
+                  <a:srgbClr val="0096FF"/>
+                </a:solidFill>
+              </a:rPr>
+              <a:t>(</a:t>
+            </a:r>
+            <a:r>
+              <a:rPr lang="en-US" dirty="0" err="1">
+                <a:solidFill>
+                  <a:srgbClr val="0096FF"/>
+                </a:solidFill>
+              </a:rPr>
+              <a:t>X,d</a:t>
+            </a:r>
+            <a:r>
+              <a:rPr lang="en-US" dirty="0">
+                <a:solidFill>
+                  <a:srgbClr val="0096FF"/>
+                </a:solidFill>
+              </a:rPr>
+              <a:t>)</a:t>
+            </a:r>
+            <a:r>
+              <a:rPr lang="en-US" dirty="0"/>
+              <a:t> and </a:t>
+            </a:r>
+            <a:r>
+              <a:rPr lang="en-US" dirty="0">
+                <a:solidFill>
+                  <a:srgbClr val="FF9300"/>
+                </a:solidFill>
+              </a:rPr>
+              <a:t>(</a:t>
+            </a:r>
+            <a:r>
+              <a:rPr lang="en-US" dirty="0" err="1">
+                <a:solidFill>
+                  <a:srgbClr val="FF9300"/>
+                </a:solidFill>
+              </a:rPr>
+              <a:t>X</a:t>
+            </a:r>
+            <a:r>
+              <a:rPr lang="en-US" baseline="-25000" dirty="0" err="1">
+                <a:solidFill>
+                  <a:srgbClr val="FF9300"/>
+                </a:solidFill>
+              </a:rPr>
+              <a:t>t</a:t>
+            </a:r>
+            <a:r>
+              <a:rPr lang="en-US" dirty="0" err="1">
+                <a:solidFill>
+                  <a:srgbClr val="FF9300"/>
+                </a:solidFill>
+              </a:rPr>
+              <a:t>,d</a:t>
+            </a:r>
+            <a:r>
+              <a:rPr lang="en-US" baseline="-25000" dirty="0" err="1">
+                <a:solidFill>
+                  <a:srgbClr val="FF9300"/>
+                </a:solidFill>
+              </a:rPr>
+              <a:t>t</a:t>
+            </a:r>
+            <a:r>
+              <a:rPr lang="en-US" dirty="0">
+                <a:solidFill>
+                  <a:srgbClr val="FF9300"/>
+                </a:solidFill>
+              </a:rPr>
+              <a:t>)</a:t>
+            </a:r>
+            <a:r>
+              <a:rPr lang="en-US" dirty="0"/>
+              <a:t> 	   ← read training and testing data</a:t>
+            </a:r>
+          </a:p>
+          <a:p>
+            <a:r>
+              <a:rPr lang="en-US" dirty="0"/>
+              <a:t>1.	</a:t>
+            </a:r>
+            <a:r>
+              <a:rPr lang="en-US" i="1" dirty="0"/>
+              <a:t>Definition</a:t>
+            </a:r>
+            <a:r>
+              <a:rPr lang="en-US" dirty="0"/>
+              <a:t>  	   ← Classifier Definition</a:t>
+            </a:r>
+          </a:p>
+          <a:p>
+            <a:r>
+              <a:rPr lang="en-US" dirty="0"/>
+              <a:t>2.	</a:t>
+            </a:r>
+            <a:r>
+              <a:rPr lang="en-US" i="1" dirty="0" err="1"/>
+              <a:t>TrainedParameters</a:t>
+            </a:r>
+            <a:r>
+              <a:rPr lang="en-US" dirty="0"/>
+              <a:t> ← Training(</a:t>
+            </a:r>
+            <a:r>
+              <a:rPr lang="en-US" dirty="0" err="1">
+                <a:solidFill>
+                  <a:srgbClr val="0096FF"/>
+                </a:solidFill>
+              </a:rPr>
+              <a:t>X,d</a:t>
+            </a:r>
+            <a:r>
+              <a:rPr lang="en-US" dirty="0" err="1"/>
+              <a:t>,Definition</a:t>
+            </a:r>
+            <a:r>
+              <a:rPr lang="en-US" dirty="0"/>
+              <a:t>)</a:t>
+            </a:r>
+          </a:p>
+          <a:p>
+            <a:r>
+              <a:rPr lang="en-US" dirty="0"/>
+              <a:t>3.	</a:t>
+            </a:r>
+            <a:r>
+              <a:rPr lang="en-US" dirty="0">
+                <a:solidFill>
+                  <a:srgbClr val="00B050"/>
+                </a:solidFill>
+              </a:rPr>
+              <a:t>d</a:t>
+            </a:r>
+            <a:r>
+              <a:rPr lang="en-US" baseline="-25000" dirty="0">
+                <a:solidFill>
+                  <a:srgbClr val="00B050"/>
+                </a:solidFill>
+              </a:rPr>
+              <a:t>s</a:t>
+            </a:r>
+            <a:r>
+              <a:rPr lang="en-US" dirty="0"/>
+              <a:t>  		   ← Testing(</a:t>
+            </a:r>
+            <a:r>
+              <a:rPr lang="en-US" dirty="0" err="1">
+                <a:solidFill>
+                  <a:srgbClr val="FF9300"/>
+                </a:solidFill>
+              </a:rPr>
+              <a:t>X</a:t>
+            </a:r>
+            <a:r>
+              <a:rPr lang="en-US" baseline="-25000" dirty="0" err="1">
+                <a:solidFill>
+                  <a:srgbClr val="FF9300"/>
+                </a:solidFill>
+              </a:rPr>
+              <a:t>t</a:t>
+            </a:r>
+            <a:r>
+              <a:rPr lang="en-US" dirty="0" err="1"/>
+              <a:t>,</a:t>
+            </a:r>
+            <a:r>
+              <a:rPr lang="en-US" i="1" dirty="0" err="1"/>
+              <a:t>TrainedParameters</a:t>
+            </a:r>
+            <a:r>
+              <a:rPr lang="en-US" dirty="0"/>
+              <a:t>)</a:t>
+            </a:r>
+          </a:p>
+          <a:p>
+            <a:r>
+              <a:rPr lang="en-US" dirty="0"/>
+              <a:t>4.	Accuracy	   ← Accuracy(</a:t>
+            </a:r>
+            <a:r>
+              <a:rPr lang="en-US" dirty="0" err="1">
+                <a:solidFill>
+                  <a:srgbClr val="00B050"/>
+                </a:solidFill>
+              </a:rPr>
+              <a:t>d</a:t>
+            </a:r>
+            <a:r>
+              <a:rPr lang="en-US" baseline="-25000" dirty="0" err="1">
+                <a:solidFill>
+                  <a:srgbClr val="00B050"/>
+                </a:solidFill>
+              </a:rPr>
+              <a:t>s</a:t>
+            </a:r>
+            <a:r>
+              <a:rPr lang="en-US" dirty="0" err="1"/>
+              <a:t>,</a:t>
+            </a:r>
+            <a:r>
+              <a:rPr lang="en-US" dirty="0" err="1">
+                <a:solidFill>
+                  <a:srgbClr val="FF9300"/>
+                </a:solidFill>
+              </a:rPr>
+              <a:t>d</a:t>
+            </a:r>
+            <a:r>
+              <a:rPr lang="en-US" baseline="-25000" dirty="0" err="1">
+                <a:solidFill>
+                  <a:srgbClr val="FF9300"/>
+                </a:solidFill>
+              </a:rPr>
+              <a:t>t</a:t>
+            </a:r>
+            <a:r>
+              <a:rPr lang="en-US" dirty="0"/>
+              <a:t>)</a:t>
+            </a:r>
+          </a:p>
+        </p:txBody>
+      </p:sp>
+      <p:grpSp>
+        <p:nvGrpSpPr>
+          <p:cNvPr id="12" name="Group 11">
+            <a:extLst>
+              <a:ext uri="{FF2B5EF4-FFF2-40B4-BE49-F238E27FC236}">
+                <a16:creationId xmlns:a16="http://schemas.microsoft.com/office/drawing/2014/main" id="{FC97D9FC-B270-0749-829C-E72017D1A9B0}"/>
+              </a:ext>
+            </a:extLst>
+          </p:cNvPr>
+          <p:cNvGrpSpPr/>
+          <p:nvPr/>
+        </p:nvGrpSpPr>
+        <p:grpSpPr>
+          <a:xfrm>
+            <a:off x="2217683" y="950889"/>
+            <a:ext cx="3216166" cy="1666187"/>
+            <a:chOff x="2217683" y="950889"/>
+            <a:chExt cx="3216166" cy="1666187"/>
+          </a:xfrm>
+        </p:grpSpPr>
+        <p:sp>
+          <p:nvSpPr>
+            <p:cNvPr id="2" name="TextBox 1">
+              <a:extLst>
+                <a:ext uri="{FF2B5EF4-FFF2-40B4-BE49-F238E27FC236}">
+                  <a16:creationId xmlns:a16="http://schemas.microsoft.com/office/drawing/2014/main" id="{0CF5C2F0-9653-8547-BF72-E1A47D59A75E}"/>
+                </a:ext>
+              </a:extLst>
+            </p:cNvPr>
+            <p:cNvSpPr txBox="1"/>
+            <p:nvPr/>
+          </p:nvSpPr>
+          <p:spPr>
+            <a:xfrm>
+              <a:off x="3457026" y="950889"/>
+              <a:ext cx="1976823" cy="369332"/>
+            </a:xfrm>
+            <a:prstGeom prst="rect">
+              <a:avLst/>
+            </a:prstGeom>
+            <a:noFill/>
+          </p:spPr>
+          <p:txBody>
+            <a:bodyPr wrap="none" rtlCol="0">
+              <a:spAutoFit/>
+            </a:bodyPr>
+            <a:lstStyle/>
+            <a:p>
+              <a:r>
+                <a:rPr lang="en-US" dirty="0" err="1">
+                  <a:solidFill>
+                    <a:srgbClr val="0096FF"/>
+                  </a:solidFill>
+                  <a:latin typeface="Courier" pitchFamily="2" charset="0"/>
+                </a:rPr>
+                <a:t>Xtrain,ytrain</a:t>
+              </a:r>
+              <a:endParaRPr lang="en-US" dirty="0">
+                <a:solidFill>
+                  <a:srgbClr val="0096FF"/>
+                </a:solidFill>
+                <a:latin typeface="Courier" pitchFamily="2" charset="0"/>
+              </a:endParaRPr>
+            </a:p>
+          </p:txBody>
+        </p:sp>
+        <p:cxnSp>
+          <p:nvCxnSpPr>
+            <p:cNvPr id="6" name="Straight Arrow Connector 5">
+              <a:extLst>
+                <a:ext uri="{FF2B5EF4-FFF2-40B4-BE49-F238E27FC236}">
+                  <a16:creationId xmlns:a16="http://schemas.microsoft.com/office/drawing/2014/main" id="{1693B63B-68C0-C44E-BC0D-E6FA4C5B7B1D}"/>
+                </a:ext>
+              </a:extLst>
+            </p:cNvPr>
+            <p:cNvCxnSpPr/>
+            <p:nvPr/>
+          </p:nvCxnSpPr>
+          <p:spPr>
+            <a:xfrm flipV="1">
+              <a:off x="2217683" y="1313793"/>
+              <a:ext cx="1177158" cy="1303283"/>
+            </a:xfrm>
+            <a:prstGeom prst="straightConnector1">
+              <a:avLst/>
+            </a:prstGeom>
+            <a:ln>
+              <a:solidFill>
+                <a:schemeClr val="tx1">
+                  <a:lumMod val="50000"/>
+                  <a:lumOff val="50000"/>
+                </a:schemeClr>
+              </a:solidFill>
+              <a:tailEnd type="triangle"/>
+            </a:ln>
+          </p:spPr>
+          <p:style>
+            <a:lnRef idx="2">
+              <a:schemeClr val="dk1"/>
+            </a:lnRef>
+            <a:fillRef idx="0">
+              <a:schemeClr val="dk1"/>
+            </a:fillRef>
+            <a:effectRef idx="1">
+              <a:schemeClr val="dk1"/>
+            </a:effectRef>
+            <a:fontRef idx="minor">
+              <a:schemeClr val="tx1"/>
+            </a:fontRef>
+          </p:style>
+        </p:cxnSp>
+      </p:grpSp>
+      <p:grpSp>
+        <p:nvGrpSpPr>
+          <p:cNvPr id="17" name="Group 16">
+            <a:extLst>
+              <a:ext uri="{FF2B5EF4-FFF2-40B4-BE49-F238E27FC236}">
+                <a16:creationId xmlns:a16="http://schemas.microsoft.com/office/drawing/2014/main" id="{CF267D35-D745-A846-A2F4-94CDD050CFDA}"/>
+              </a:ext>
+            </a:extLst>
+          </p:cNvPr>
+          <p:cNvGrpSpPr/>
+          <p:nvPr/>
+        </p:nvGrpSpPr>
+        <p:grpSpPr>
+          <a:xfrm>
+            <a:off x="909779" y="3719116"/>
+            <a:ext cx="873957" cy="1192524"/>
+            <a:chOff x="909779" y="3719116"/>
+            <a:chExt cx="873957" cy="1192524"/>
+          </a:xfrm>
+        </p:grpSpPr>
+        <p:sp>
+          <p:nvSpPr>
+            <p:cNvPr id="9" name="TextBox 8">
+              <a:extLst>
+                <a:ext uri="{FF2B5EF4-FFF2-40B4-BE49-F238E27FC236}">
+                  <a16:creationId xmlns:a16="http://schemas.microsoft.com/office/drawing/2014/main" id="{9F5BB853-7DC7-C24D-8DD9-5EA4643416DC}"/>
+                </a:ext>
+              </a:extLst>
+            </p:cNvPr>
+            <p:cNvSpPr txBox="1"/>
+            <p:nvPr/>
+          </p:nvSpPr>
+          <p:spPr>
+            <a:xfrm>
+              <a:off x="909779" y="4542308"/>
+              <a:ext cx="873957" cy="369332"/>
+            </a:xfrm>
+            <a:prstGeom prst="rect">
+              <a:avLst/>
+            </a:prstGeom>
+            <a:noFill/>
+          </p:spPr>
+          <p:txBody>
+            <a:bodyPr wrap="none" rtlCol="0">
+              <a:spAutoFit/>
+            </a:bodyPr>
+            <a:lstStyle/>
+            <a:p>
+              <a:r>
+                <a:rPr lang="en-US" dirty="0" err="1">
+                  <a:solidFill>
+                    <a:srgbClr val="00B050"/>
+                  </a:solidFill>
+                  <a:latin typeface="Courier" pitchFamily="2" charset="0"/>
+                </a:rPr>
+                <a:t>ypred</a:t>
+              </a:r>
+              <a:endParaRPr lang="en-US" dirty="0">
+                <a:solidFill>
+                  <a:srgbClr val="00B050"/>
+                </a:solidFill>
+                <a:latin typeface="Courier" pitchFamily="2" charset="0"/>
+              </a:endParaRPr>
+            </a:p>
+          </p:txBody>
+        </p:sp>
+        <p:cxnSp>
+          <p:nvCxnSpPr>
+            <p:cNvPr id="13" name="Straight Arrow Connector 12">
+              <a:extLst>
+                <a:ext uri="{FF2B5EF4-FFF2-40B4-BE49-F238E27FC236}">
+                  <a16:creationId xmlns:a16="http://schemas.microsoft.com/office/drawing/2014/main" id="{00216A55-3F21-D74B-BD51-E30BE789537B}"/>
+                </a:ext>
+              </a:extLst>
+            </p:cNvPr>
+            <p:cNvCxnSpPr>
+              <a:cxnSpLocks/>
+            </p:cNvCxnSpPr>
+            <p:nvPr/>
+          </p:nvCxnSpPr>
+          <p:spPr>
+            <a:xfrm flipH="1">
+              <a:off x="1093076" y="3719116"/>
+              <a:ext cx="665388" cy="779312"/>
+            </a:xfrm>
+            <a:prstGeom prst="straightConnector1">
+              <a:avLst/>
+            </a:prstGeom>
+            <a:ln>
+              <a:solidFill>
+                <a:schemeClr val="tx1">
+                  <a:lumMod val="50000"/>
+                  <a:lumOff val="50000"/>
+                </a:schemeClr>
+              </a:solidFill>
+              <a:tailEnd type="triangle"/>
+            </a:ln>
+          </p:spPr>
+          <p:style>
+            <a:lnRef idx="2">
+              <a:schemeClr val="dk1"/>
+            </a:lnRef>
+            <a:fillRef idx="0">
+              <a:schemeClr val="dk1"/>
+            </a:fillRef>
+            <a:effectRef idx="1">
+              <a:schemeClr val="dk1"/>
+            </a:effectRef>
+            <a:fontRef idx="minor">
+              <a:schemeClr val="tx1"/>
+            </a:fontRef>
+          </p:style>
+        </p:cxnSp>
+      </p:grpSp>
+      <p:grpSp>
+        <p:nvGrpSpPr>
+          <p:cNvPr id="14" name="Group 13">
+            <a:extLst>
+              <a:ext uri="{FF2B5EF4-FFF2-40B4-BE49-F238E27FC236}">
+                <a16:creationId xmlns:a16="http://schemas.microsoft.com/office/drawing/2014/main" id="{B64D70B7-9A4C-E846-887A-633EDDCB7196}"/>
+              </a:ext>
+            </a:extLst>
+          </p:cNvPr>
+          <p:cNvGrpSpPr/>
+          <p:nvPr/>
+        </p:nvGrpSpPr>
+        <p:grpSpPr>
+          <a:xfrm>
+            <a:off x="3250933" y="1683494"/>
+            <a:ext cx="2242390" cy="862172"/>
+            <a:chOff x="3250933" y="1683494"/>
+            <a:chExt cx="2242390" cy="862172"/>
+          </a:xfrm>
+        </p:grpSpPr>
+        <p:cxnSp>
+          <p:nvCxnSpPr>
+            <p:cNvPr id="10" name="Straight Arrow Connector 9">
+              <a:extLst>
+                <a:ext uri="{FF2B5EF4-FFF2-40B4-BE49-F238E27FC236}">
+                  <a16:creationId xmlns:a16="http://schemas.microsoft.com/office/drawing/2014/main" id="{984CA81B-F7FA-DD47-B064-7BE439E65025}"/>
+                </a:ext>
+              </a:extLst>
+            </p:cNvPr>
+            <p:cNvCxnSpPr>
+              <a:cxnSpLocks/>
+            </p:cNvCxnSpPr>
+            <p:nvPr/>
+          </p:nvCxnSpPr>
+          <p:spPr>
+            <a:xfrm flipV="1">
+              <a:off x="3250933" y="1965434"/>
+              <a:ext cx="490750" cy="580232"/>
+            </a:xfrm>
+            <a:prstGeom prst="straightConnector1">
+              <a:avLst/>
+            </a:prstGeom>
+            <a:ln>
+              <a:solidFill>
+                <a:schemeClr val="tx1">
+                  <a:lumMod val="50000"/>
+                  <a:lumOff val="50000"/>
+                </a:schemeClr>
+              </a:solidFill>
+              <a:tailEnd type="triangle"/>
+            </a:ln>
+          </p:spPr>
+          <p:style>
+            <a:lnRef idx="2">
+              <a:schemeClr val="dk1"/>
+            </a:lnRef>
+            <a:fillRef idx="0">
+              <a:schemeClr val="dk1"/>
+            </a:fillRef>
+            <a:effectRef idx="1">
+              <a:schemeClr val="dk1"/>
+            </a:effectRef>
+            <a:fontRef idx="minor">
+              <a:schemeClr val="tx1"/>
+            </a:fontRef>
+          </p:style>
+        </p:cxnSp>
+        <p:sp>
+          <p:nvSpPr>
+            <p:cNvPr id="16" name="TextBox 15">
+              <a:extLst>
+                <a:ext uri="{FF2B5EF4-FFF2-40B4-BE49-F238E27FC236}">
+                  <a16:creationId xmlns:a16="http://schemas.microsoft.com/office/drawing/2014/main" id="{64963230-37AD-874A-9F05-F3D7598CCB8D}"/>
+                </a:ext>
+              </a:extLst>
+            </p:cNvPr>
+            <p:cNvSpPr txBox="1"/>
+            <p:nvPr/>
+          </p:nvSpPr>
+          <p:spPr>
+            <a:xfrm>
+              <a:off x="3792216" y="1683494"/>
+              <a:ext cx="1701107" cy="369332"/>
+            </a:xfrm>
+            <a:prstGeom prst="rect">
+              <a:avLst/>
+            </a:prstGeom>
+            <a:noFill/>
+          </p:spPr>
+          <p:txBody>
+            <a:bodyPr wrap="none" rtlCol="0">
+              <a:spAutoFit/>
+            </a:bodyPr>
+            <a:lstStyle/>
+            <a:p>
+              <a:r>
+                <a:rPr lang="en-US" dirty="0" err="1">
+                  <a:solidFill>
+                    <a:srgbClr val="FF9300"/>
+                  </a:solidFill>
+                  <a:latin typeface="Courier" pitchFamily="2" charset="0"/>
+                </a:rPr>
+                <a:t>Xtest,ytest</a:t>
+              </a:r>
+              <a:endParaRPr lang="en-US" dirty="0">
+                <a:solidFill>
+                  <a:srgbClr val="FF9300"/>
+                </a:solidFill>
+                <a:latin typeface="Courier" pitchFamily="2" charset="0"/>
+              </a:endParaRPr>
+            </a:p>
+          </p:txBody>
+        </p:sp>
+      </p:grpSp>
+      <p:sp>
+        <p:nvSpPr>
+          <p:cNvPr id="20" name="TextBox 19">
+            <a:extLst>
+              <a:ext uri="{FF2B5EF4-FFF2-40B4-BE49-F238E27FC236}">
+                <a16:creationId xmlns:a16="http://schemas.microsoft.com/office/drawing/2014/main" id="{A9BC3B90-AB58-5C48-A3BD-EB7F73F78E3B}"/>
+              </a:ext>
+            </a:extLst>
+          </p:cNvPr>
+          <p:cNvSpPr txBox="1"/>
+          <p:nvPr/>
+        </p:nvSpPr>
+        <p:spPr>
+          <a:xfrm>
+            <a:off x="2329473" y="4726974"/>
+            <a:ext cx="5561138" cy="1754326"/>
+          </a:xfrm>
+          <a:prstGeom prst="rect">
+            <a:avLst/>
+          </a:prstGeom>
+          <a:noFill/>
+        </p:spPr>
+        <p:txBody>
+          <a:bodyPr wrap="none" rtlCol="0">
+            <a:spAutoFit/>
+          </a:bodyPr>
+          <a:lstStyle/>
+          <a:p>
+            <a:r>
+              <a:rPr lang="en-US" b="1" dirty="0">
+                <a:latin typeface="+mj-lt"/>
+              </a:rPr>
+              <a:t>Example for Neural Networks</a:t>
+            </a:r>
+          </a:p>
+          <a:p>
+            <a:endParaRPr lang="en-US" b="1" dirty="0">
+              <a:latin typeface="+mj-lt"/>
+            </a:endParaRPr>
+          </a:p>
+          <a:p>
+            <a:r>
+              <a:rPr lang="en-US" dirty="0">
+                <a:latin typeface="Courier" pitchFamily="2" charset="0"/>
+              </a:rPr>
+              <a:t>1. </a:t>
+            </a:r>
+            <a:r>
+              <a:rPr lang="en-US" dirty="0" err="1">
+                <a:latin typeface="Courier" pitchFamily="2" charset="0"/>
+              </a:rPr>
+              <a:t>clf</a:t>
+            </a:r>
+            <a:r>
+              <a:rPr lang="en-US" dirty="0">
+                <a:latin typeface="Courier" pitchFamily="2" charset="0"/>
+              </a:rPr>
+              <a:t> = </a:t>
+            </a:r>
+            <a:r>
+              <a:rPr lang="en-US" dirty="0" err="1">
+                <a:latin typeface="Courier" pitchFamily="2" charset="0"/>
+              </a:rPr>
+              <a:t>MLPClassifier</a:t>
+            </a:r>
+            <a:r>
+              <a:rPr lang="en-US" dirty="0">
+                <a:latin typeface="Courier" pitchFamily="2" charset="0"/>
+              </a:rPr>
+              <a:t>(</a:t>
+            </a:r>
+            <a:r>
+              <a:rPr lang="en-US" i="1" dirty="0">
+                <a:solidFill>
+                  <a:srgbClr val="FF40FF"/>
+                </a:solidFill>
+                <a:latin typeface="Courier" pitchFamily="2" charset="0"/>
+              </a:rPr>
+              <a:t>parameters here</a:t>
+            </a:r>
+            <a:r>
+              <a:rPr lang="en-US" dirty="0">
+                <a:latin typeface="Courier" pitchFamily="2" charset="0"/>
+              </a:rPr>
+              <a:t>)</a:t>
+            </a:r>
+          </a:p>
+          <a:p>
+            <a:r>
+              <a:rPr lang="en-US" dirty="0">
+                <a:latin typeface="Courier" pitchFamily="2" charset="0"/>
+              </a:rPr>
+              <a:t>2. </a:t>
+            </a:r>
+            <a:r>
+              <a:rPr lang="en-US" dirty="0" err="1">
+                <a:latin typeface="Courier" pitchFamily="2" charset="0"/>
+              </a:rPr>
+              <a:t>clf.fit</a:t>
+            </a:r>
+            <a:r>
+              <a:rPr lang="en-US" dirty="0">
+                <a:latin typeface="Courier" pitchFamily="2" charset="0"/>
+              </a:rPr>
+              <a:t>(</a:t>
+            </a:r>
+            <a:r>
+              <a:rPr lang="en-US" dirty="0" err="1">
+                <a:solidFill>
+                  <a:srgbClr val="0096FF"/>
+                </a:solidFill>
+                <a:latin typeface="Courier" pitchFamily="2" charset="0"/>
+              </a:rPr>
+              <a:t>Xtrain</a:t>
+            </a:r>
+            <a:r>
+              <a:rPr lang="en-US" dirty="0">
+                <a:solidFill>
+                  <a:srgbClr val="0096FF"/>
+                </a:solidFill>
+                <a:latin typeface="Courier" pitchFamily="2" charset="0"/>
+              </a:rPr>
+              <a:t>, </a:t>
+            </a:r>
+            <a:r>
+              <a:rPr lang="en-US" dirty="0" err="1">
+                <a:solidFill>
+                  <a:srgbClr val="0096FF"/>
+                </a:solidFill>
+                <a:latin typeface="Courier" pitchFamily="2" charset="0"/>
+              </a:rPr>
+              <a:t>ytrain</a:t>
+            </a:r>
+            <a:r>
+              <a:rPr lang="en-US" dirty="0">
+                <a:latin typeface="Courier" pitchFamily="2" charset="0"/>
+              </a:rPr>
+              <a:t>)</a:t>
+            </a:r>
+          </a:p>
+          <a:p>
+            <a:r>
+              <a:rPr lang="en-US" dirty="0">
+                <a:latin typeface="Courier" pitchFamily="2" charset="0"/>
+              </a:rPr>
+              <a:t>3. </a:t>
+            </a:r>
+            <a:r>
+              <a:rPr lang="en-US" dirty="0" err="1">
+                <a:solidFill>
+                  <a:srgbClr val="00B050"/>
+                </a:solidFill>
+                <a:latin typeface="Courier" pitchFamily="2" charset="0"/>
+              </a:rPr>
+              <a:t>ypred</a:t>
+            </a:r>
+            <a:r>
+              <a:rPr lang="en-US" dirty="0">
+                <a:latin typeface="Courier" pitchFamily="2" charset="0"/>
+              </a:rPr>
+              <a:t> = </a:t>
+            </a:r>
+            <a:r>
+              <a:rPr lang="en-US" dirty="0" err="1">
+                <a:latin typeface="Courier" pitchFamily="2" charset="0"/>
+              </a:rPr>
+              <a:t>clf.predict</a:t>
+            </a:r>
+            <a:r>
+              <a:rPr lang="en-US" dirty="0">
+                <a:latin typeface="Courier" pitchFamily="2" charset="0"/>
+              </a:rPr>
+              <a:t>(</a:t>
+            </a:r>
+            <a:r>
+              <a:rPr lang="en-US" dirty="0" err="1">
+                <a:solidFill>
+                  <a:srgbClr val="FF9300"/>
+                </a:solidFill>
+                <a:latin typeface="Courier" pitchFamily="2" charset="0"/>
+              </a:rPr>
+              <a:t>Xtest</a:t>
+            </a:r>
+            <a:r>
+              <a:rPr lang="en-US" dirty="0">
+                <a:latin typeface="Courier" pitchFamily="2" charset="0"/>
+              </a:rPr>
+              <a:t>)</a:t>
+            </a:r>
+          </a:p>
+          <a:p>
+            <a:r>
+              <a:rPr lang="en-US" dirty="0">
+                <a:latin typeface="Courier" pitchFamily="2" charset="0"/>
+              </a:rPr>
+              <a:t>4. acc	 = </a:t>
+            </a:r>
+            <a:r>
+              <a:rPr lang="en-US" dirty="0" err="1">
+                <a:latin typeface="Courier" pitchFamily="2" charset="0"/>
+              </a:rPr>
+              <a:t>accuracy_score</a:t>
+            </a:r>
+            <a:r>
+              <a:rPr lang="en-US" dirty="0">
+                <a:latin typeface="Courier" pitchFamily="2" charset="0"/>
+              </a:rPr>
+              <a:t>(</a:t>
+            </a:r>
+            <a:r>
+              <a:rPr lang="en-US" dirty="0" err="1">
+                <a:solidFill>
+                  <a:srgbClr val="00B050"/>
+                </a:solidFill>
+                <a:latin typeface="Courier" pitchFamily="2" charset="0"/>
+              </a:rPr>
+              <a:t>ypred</a:t>
+            </a:r>
+            <a:r>
+              <a:rPr lang="en-US" dirty="0" err="1">
+                <a:latin typeface="Courier" pitchFamily="2" charset="0"/>
+              </a:rPr>
+              <a:t>,</a:t>
+            </a:r>
+            <a:r>
+              <a:rPr lang="en-US" dirty="0" err="1">
+                <a:solidFill>
+                  <a:srgbClr val="FF9300"/>
+                </a:solidFill>
+                <a:latin typeface="Courier" pitchFamily="2" charset="0"/>
+              </a:rPr>
+              <a:t>ytest</a:t>
+            </a:r>
+            <a:r>
+              <a:rPr lang="en-US" dirty="0">
+                <a:latin typeface="Courier" pitchFamily="2" charset="0"/>
+              </a:rPr>
+              <a:t>)</a:t>
+            </a:r>
+          </a:p>
+        </p:txBody>
+      </p:sp>
+    </p:spTree>
+    <p:extLst>
+      <p:ext uri="{BB962C8B-B14F-4D97-AF65-F5344CB8AC3E}">
+        <p14:creationId xmlns:p14="http://schemas.microsoft.com/office/powerpoint/2010/main" val="3847688743"/>
+      </p:ext>
+    </p:extLst>
+  </p:cSld>
+  <p:clrMapOvr>
+    <a:masterClrMapping/>
+  </p:clrMapOvr>
+</p:sld>
+</file>
+
+<file path=ppt/slides/slide28.xml><?xml version="1.0" encoding="utf-8"?>
 <p:sld xmlns:a="http://schemas.openxmlformats.org/drawingml/2006/main" xmlns:r="http://schemas.openxmlformats.org/officeDocument/2006/relationships" xmlns:p="http://schemas.openxmlformats.org/presentationml/2006/main" show="0">
   <p:cSld>
     <p:spTree>
@@ -33680,7 +35500,7 @@
             <a:fld id="{B2515E32-AEC1-A643-BA35-1EE2E73D4B01}" type="slidenum">
               <a:rPr lang="es-ES" smtClean="0"/>
               <a:pPr/>
-              <a:t>26</a:t>
+              <a:t>28</a:t>
             </a:fld>
             <a:endParaRPr lang="es-ES" dirty="0"/>
           </a:p>
